--- a/ppt 16-9/1085.主活着.pptx
+++ b/ppt 16-9/1085.主活着.pptx
@@ -129,7 +129,7 @@
           <p:cNvPr id="2" name="标题 1">
             <a:extLst>
               <a:ext uri="{FF2B5EF4-FFF2-40B4-BE49-F238E27FC236}">
-                <a16:creationId xmlns:a16="http://schemas.microsoft.com/office/drawing/2014/main" id="{DBA22443-1E89-8D2D-94DF-57B7358713A1}"/>
+                <a16:creationId xmlns:a16="http://schemas.microsoft.com/office/drawing/2014/main" id="{4B33BCC1-9356-3E2C-48C3-527F5774BBCB}"/>
               </a:ext>
             </a:extLst>
           </p:cNvPr>
@@ -166,7 +166,7 @@
           <p:cNvPr id="3" name="副标题 2">
             <a:extLst>
               <a:ext uri="{FF2B5EF4-FFF2-40B4-BE49-F238E27FC236}">
-                <a16:creationId xmlns:a16="http://schemas.microsoft.com/office/drawing/2014/main" id="{DACF58C0-2B96-A321-0D76-1AB69935DEF5}"/>
+                <a16:creationId xmlns:a16="http://schemas.microsoft.com/office/drawing/2014/main" id="{C52D3409-E49F-7ADE-9BE0-301B9B515ADC}"/>
               </a:ext>
             </a:extLst>
           </p:cNvPr>
@@ -236,7 +236,7 @@
           <p:cNvPr id="4" name="日期占位符 3">
             <a:extLst>
               <a:ext uri="{FF2B5EF4-FFF2-40B4-BE49-F238E27FC236}">
-                <a16:creationId xmlns:a16="http://schemas.microsoft.com/office/drawing/2014/main" id="{A8CAB6B4-8EB0-85A0-2D4D-905C7124F01B}"/>
+                <a16:creationId xmlns:a16="http://schemas.microsoft.com/office/drawing/2014/main" id="{061D04C6-51B6-3FF7-07CB-481E2D219E87}"/>
               </a:ext>
             </a:extLst>
           </p:cNvPr>
@@ -252,7 +252,7 @@
           <a:bodyPr/>
           <a:lstStyle/>
           <a:p>
-            <a:fld id="{D24C7AE4-48B5-492B-825E-1F6FF8B477E8}" type="datetimeFigureOut">
+            <a:fld id="{80ABA862-AF33-4A85-9F11-CCB9CF57C897}" type="datetimeFigureOut">
               <a:rPr lang="zh-CN" altLang="en-US" smtClean="0"/>
               <a:t>2024/3/10</a:t>
             </a:fld>
@@ -265,7 +265,7 @@
           <p:cNvPr id="5" name="页脚占位符 4">
             <a:extLst>
               <a:ext uri="{FF2B5EF4-FFF2-40B4-BE49-F238E27FC236}">
-                <a16:creationId xmlns:a16="http://schemas.microsoft.com/office/drawing/2014/main" id="{35007FAD-68CC-DFB6-4DE4-2983EC1EA0EF}"/>
+                <a16:creationId xmlns:a16="http://schemas.microsoft.com/office/drawing/2014/main" id="{51587EA1-DCC1-414E-96C3-BCA2A735FC35}"/>
               </a:ext>
             </a:extLst>
           </p:cNvPr>
@@ -290,7 +290,7 @@
           <p:cNvPr id="6" name="灯片编号占位符 5">
             <a:extLst>
               <a:ext uri="{FF2B5EF4-FFF2-40B4-BE49-F238E27FC236}">
-                <a16:creationId xmlns:a16="http://schemas.microsoft.com/office/drawing/2014/main" id="{1B034378-601B-8D1E-3EED-73A0CCBECAAD}"/>
+                <a16:creationId xmlns:a16="http://schemas.microsoft.com/office/drawing/2014/main" id="{4A52DE5E-EBDF-E5B3-613F-6C7B60B8C2E4}"/>
               </a:ext>
             </a:extLst>
           </p:cNvPr>
@@ -306,7 +306,7 @@
           <a:bodyPr/>
           <a:lstStyle/>
           <a:p>
-            <a:fld id="{5F3BAA6E-A5C0-43E1-8014-CE63E262B94F}" type="slidenum">
+            <a:fld id="{DF290E08-2262-42D1-89F0-D334B9A9EB1B}" type="slidenum">
               <a:rPr lang="zh-CN" altLang="en-US" smtClean="0"/>
               <a:t>‹#›</a:t>
             </a:fld>
@@ -317,7 +317,7 @@
     </p:spTree>
     <p:extLst>
       <p:ext uri="{BB962C8B-B14F-4D97-AF65-F5344CB8AC3E}">
-        <p14:creationId xmlns:p14="http://schemas.microsoft.com/office/powerpoint/2010/main" val="2725380388"/>
+        <p14:creationId xmlns:p14="http://schemas.microsoft.com/office/powerpoint/2010/main" val="3298395939"/>
       </p:ext>
     </p:extLst>
   </p:cSld>
@@ -349,7 +349,7 @@
           <p:cNvPr id="2" name="标题 1">
             <a:extLst>
               <a:ext uri="{FF2B5EF4-FFF2-40B4-BE49-F238E27FC236}">
-                <a16:creationId xmlns:a16="http://schemas.microsoft.com/office/drawing/2014/main" id="{9B68CB90-DAF1-B6E3-560A-4B62CFE2E77B}"/>
+                <a16:creationId xmlns:a16="http://schemas.microsoft.com/office/drawing/2014/main" id="{B59FAE5B-D3E2-5A2E-1CE3-53C8A81A4EA1}"/>
               </a:ext>
             </a:extLst>
           </p:cNvPr>
@@ -377,7 +377,7 @@
           <p:cNvPr id="3" name="竖排文字占位符 2">
             <a:extLst>
               <a:ext uri="{FF2B5EF4-FFF2-40B4-BE49-F238E27FC236}">
-                <a16:creationId xmlns:a16="http://schemas.microsoft.com/office/drawing/2014/main" id="{44C1434C-F15B-F473-594A-41FB3FDC430B}"/>
+                <a16:creationId xmlns:a16="http://schemas.microsoft.com/office/drawing/2014/main" id="{99EEF34B-7367-BA5B-2D58-57F3486D9CA7}"/>
               </a:ext>
             </a:extLst>
           </p:cNvPr>
@@ -434,7 +434,7 @@
           <p:cNvPr id="4" name="日期占位符 3">
             <a:extLst>
               <a:ext uri="{FF2B5EF4-FFF2-40B4-BE49-F238E27FC236}">
-                <a16:creationId xmlns:a16="http://schemas.microsoft.com/office/drawing/2014/main" id="{131890A6-5ADD-34D2-9FFF-7141672C3EA2}"/>
+                <a16:creationId xmlns:a16="http://schemas.microsoft.com/office/drawing/2014/main" id="{D6EA8AD6-0FB5-93E6-237D-CE0BD8DA5B57}"/>
               </a:ext>
             </a:extLst>
           </p:cNvPr>
@@ -450,7 +450,7 @@
           <a:bodyPr/>
           <a:lstStyle/>
           <a:p>
-            <a:fld id="{D24C7AE4-48B5-492B-825E-1F6FF8B477E8}" type="datetimeFigureOut">
+            <a:fld id="{80ABA862-AF33-4A85-9F11-CCB9CF57C897}" type="datetimeFigureOut">
               <a:rPr lang="zh-CN" altLang="en-US" smtClean="0"/>
               <a:t>2024/3/10</a:t>
             </a:fld>
@@ -463,7 +463,7 @@
           <p:cNvPr id="5" name="页脚占位符 4">
             <a:extLst>
               <a:ext uri="{FF2B5EF4-FFF2-40B4-BE49-F238E27FC236}">
-                <a16:creationId xmlns:a16="http://schemas.microsoft.com/office/drawing/2014/main" id="{E6177A9A-9C36-6EA7-739D-3BAFCCC09AEB}"/>
+                <a16:creationId xmlns:a16="http://schemas.microsoft.com/office/drawing/2014/main" id="{DC1C17B9-1CE5-2ECA-6A8C-001FB666E837}"/>
               </a:ext>
             </a:extLst>
           </p:cNvPr>
@@ -488,7 +488,7 @@
           <p:cNvPr id="6" name="灯片编号占位符 5">
             <a:extLst>
               <a:ext uri="{FF2B5EF4-FFF2-40B4-BE49-F238E27FC236}">
-                <a16:creationId xmlns:a16="http://schemas.microsoft.com/office/drawing/2014/main" id="{A7C83BF9-6499-2239-2A93-D7E0C741CEC9}"/>
+                <a16:creationId xmlns:a16="http://schemas.microsoft.com/office/drawing/2014/main" id="{39849D5A-255A-ADA1-1EC7-C8EA3ADC0637}"/>
               </a:ext>
             </a:extLst>
           </p:cNvPr>
@@ -504,7 +504,7 @@
           <a:bodyPr/>
           <a:lstStyle/>
           <a:p>
-            <a:fld id="{5F3BAA6E-A5C0-43E1-8014-CE63E262B94F}" type="slidenum">
+            <a:fld id="{DF290E08-2262-42D1-89F0-D334B9A9EB1B}" type="slidenum">
               <a:rPr lang="zh-CN" altLang="en-US" smtClean="0"/>
               <a:t>‹#›</a:t>
             </a:fld>
@@ -515,7 +515,7 @@
     </p:spTree>
     <p:extLst>
       <p:ext uri="{BB962C8B-B14F-4D97-AF65-F5344CB8AC3E}">
-        <p14:creationId xmlns:p14="http://schemas.microsoft.com/office/powerpoint/2010/main" val="993344316"/>
+        <p14:creationId xmlns:p14="http://schemas.microsoft.com/office/powerpoint/2010/main" val="4159395287"/>
       </p:ext>
     </p:extLst>
   </p:cSld>
@@ -547,7 +547,7 @@
           <p:cNvPr id="2" name="竖排标题 1">
             <a:extLst>
               <a:ext uri="{FF2B5EF4-FFF2-40B4-BE49-F238E27FC236}">
-                <a16:creationId xmlns:a16="http://schemas.microsoft.com/office/drawing/2014/main" id="{07A5E418-940B-11A3-B0D3-EFC9280950B1}"/>
+                <a16:creationId xmlns:a16="http://schemas.microsoft.com/office/drawing/2014/main" id="{DF3774A5-7FE6-2921-4AE0-B22F2F217B2D}"/>
               </a:ext>
             </a:extLst>
           </p:cNvPr>
@@ -580,7 +580,7 @@
           <p:cNvPr id="3" name="竖排文字占位符 2">
             <a:extLst>
               <a:ext uri="{FF2B5EF4-FFF2-40B4-BE49-F238E27FC236}">
-                <a16:creationId xmlns:a16="http://schemas.microsoft.com/office/drawing/2014/main" id="{FCD572F6-FD89-D984-188E-9CD7B3B95EFA}"/>
+                <a16:creationId xmlns:a16="http://schemas.microsoft.com/office/drawing/2014/main" id="{4752D53A-39A4-69C1-08D3-CB4DEFE9218A}"/>
               </a:ext>
             </a:extLst>
           </p:cNvPr>
@@ -642,7 +642,7 @@
           <p:cNvPr id="4" name="日期占位符 3">
             <a:extLst>
               <a:ext uri="{FF2B5EF4-FFF2-40B4-BE49-F238E27FC236}">
-                <a16:creationId xmlns:a16="http://schemas.microsoft.com/office/drawing/2014/main" id="{D1415018-717B-00AA-E7C0-5D12F0AF7607}"/>
+                <a16:creationId xmlns:a16="http://schemas.microsoft.com/office/drawing/2014/main" id="{62C4D0FE-7176-5915-FC3A-A32DCB8C8548}"/>
               </a:ext>
             </a:extLst>
           </p:cNvPr>
@@ -658,7 +658,7 @@
           <a:bodyPr/>
           <a:lstStyle/>
           <a:p>
-            <a:fld id="{D24C7AE4-48B5-492B-825E-1F6FF8B477E8}" type="datetimeFigureOut">
+            <a:fld id="{80ABA862-AF33-4A85-9F11-CCB9CF57C897}" type="datetimeFigureOut">
               <a:rPr lang="zh-CN" altLang="en-US" smtClean="0"/>
               <a:t>2024/3/10</a:t>
             </a:fld>
@@ -671,7 +671,7 @@
           <p:cNvPr id="5" name="页脚占位符 4">
             <a:extLst>
               <a:ext uri="{FF2B5EF4-FFF2-40B4-BE49-F238E27FC236}">
-                <a16:creationId xmlns:a16="http://schemas.microsoft.com/office/drawing/2014/main" id="{3E4F668C-4717-1FDE-030A-8DC8941019CF}"/>
+                <a16:creationId xmlns:a16="http://schemas.microsoft.com/office/drawing/2014/main" id="{55C9681C-1457-2307-554E-E7ACDE79A85C}"/>
               </a:ext>
             </a:extLst>
           </p:cNvPr>
@@ -696,7 +696,7 @@
           <p:cNvPr id="6" name="灯片编号占位符 5">
             <a:extLst>
               <a:ext uri="{FF2B5EF4-FFF2-40B4-BE49-F238E27FC236}">
-                <a16:creationId xmlns:a16="http://schemas.microsoft.com/office/drawing/2014/main" id="{B570F619-D627-10C4-B790-549C6C54A805}"/>
+                <a16:creationId xmlns:a16="http://schemas.microsoft.com/office/drawing/2014/main" id="{360A86FB-F71F-1AF0-471E-E2256C911742}"/>
               </a:ext>
             </a:extLst>
           </p:cNvPr>
@@ -712,7 +712,7 @@
           <a:bodyPr/>
           <a:lstStyle/>
           <a:p>
-            <a:fld id="{5F3BAA6E-A5C0-43E1-8014-CE63E262B94F}" type="slidenum">
+            <a:fld id="{DF290E08-2262-42D1-89F0-D334B9A9EB1B}" type="slidenum">
               <a:rPr lang="zh-CN" altLang="en-US" smtClean="0"/>
               <a:t>‹#›</a:t>
             </a:fld>
@@ -723,7 +723,7 @@
     </p:spTree>
     <p:extLst>
       <p:ext uri="{BB962C8B-B14F-4D97-AF65-F5344CB8AC3E}">
-        <p14:creationId xmlns:p14="http://schemas.microsoft.com/office/powerpoint/2010/main" val="1171500646"/>
+        <p14:creationId xmlns:p14="http://schemas.microsoft.com/office/powerpoint/2010/main" val="2753203410"/>
       </p:ext>
     </p:extLst>
   </p:cSld>
@@ -755,7 +755,7 @@
           <p:cNvPr id="2" name="标题 1">
             <a:extLst>
               <a:ext uri="{FF2B5EF4-FFF2-40B4-BE49-F238E27FC236}">
-                <a16:creationId xmlns:a16="http://schemas.microsoft.com/office/drawing/2014/main" id="{20839A51-3BB9-D2D9-D193-AEBAE59EBB91}"/>
+                <a16:creationId xmlns:a16="http://schemas.microsoft.com/office/drawing/2014/main" id="{3010EE6D-3DD6-547C-2F4A-48C1E06D2CDF}"/>
               </a:ext>
             </a:extLst>
           </p:cNvPr>
@@ -783,7 +783,7 @@
           <p:cNvPr id="3" name="内容占位符 2">
             <a:extLst>
               <a:ext uri="{FF2B5EF4-FFF2-40B4-BE49-F238E27FC236}">
-                <a16:creationId xmlns:a16="http://schemas.microsoft.com/office/drawing/2014/main" id="{846FF2AC-F013-9DAA-D791-CB9192EE8844}"/>
+                <a16:creationId xmlns:a16="http://schemas.microsoft.com/office/drawing/2014/main" id="{86E1DC0B-7B66-4EE0-7AF8-676DDA4B39A7}"/>
               </a:ext>
             </a:extLst>
           </p:cNvPr>
@@ -840,7 +840,7 @@
           <p:cNvPr id="4" name="日期占位符 3">
             <a:extLst>
               <a:ext uri="{FF2B5EF4-FFF2-40B4-BE49-F238E27FC236}">
-                <a16:creationId xmlns:a16="http://schemas.microsoft.com/office/drawing/2014/main" id="{70C27844-B095-7C27-7FB6-E35EE65873EF}"/>
+                <a16:creationId xmlns:a16="http://schemas.microsoft.com/office/drawing/2014/main" id="{D0316BEC-409D-5861-E05D-62A4F13875FD}"/>
               </a:ext>
             </a:extLst>
           </p:cNvPr>
@@ -856,7 +856,7 @@
           <a:bodyPr/>
           <a:lstStyle/>
           <a:p>
-            <a:fld id="{D24C7AE4-48B5-492B-825E-1F6FF8B477E8}" type="datetimeFigureOut">
+            <a:fld id="{80ABA862-AF33-4A85-9F11-CCB9CF57C897}" type="datetimeFigureOut">
               <a:rPr lang="zh-CN" altLang="en-US" smtClean="0"/>
               <a:t>2024/3/10</a:t>
             </a:fld>
@@ -869,7 +869,7 @@
           <p:cNvPr id="5" name="页脚占位符 4">
             <a:extLst>
               <a:ext uri="{FF2B5EF4-FFF2-40B4-BE49-F238E27FC236}">
-                <a16:creationId xmlns:a16="http://schemas.microsoft.com/office/drawing/2014/main" id="{4576A6EF-37ED-4449-A34F-878564049F71}"/>
+                <a16:creationId xmlns:a16="http://schemas.microsoft.com/office/drawing/2014/main" id="{A78F0C4B-E9E3-898E-62B3-39755D6EB9DB}"/>
               </a:ext>
             </a:extLst>
           </p:cNvPr>
@@ -894,7 +894,7 @@
           <p:cNvPr id="6" name="灯片编号占位符 5">
             <a:extLst>
               <a:ext uri="{FF2B5EF4-FFF2-40B4-BE49-F238E27FC236}">
-                <a16:creationId xmlns:a16="http://schemas.microsoft.com/office/drawing/2014/main" id="{862BABA9-CBFC-2415-4A1D-A109D76FEEB0}"/>
+                <a16:creationId xmlns:a16="http://schemas.microsoft.com/office/drawing/2014/main" id="{E1408FB9-1592-5114-A3E3-579592AD293F}"/>
               </a:ext>
             </a:extLst>
           </p:cNvPr>
@@ -910,7 +910,7 @@
           <a:bodyPr/>
           <a:lstStyle/>
           <a:p>
-            <a:fld id="{5F3BAA6E-A5C0-43E1-8014-CE63E262B94F}" type="slidenum">
+            <a:fld id="{DF290E08-2262-42D1-89F0-D334B9A9EB1B}" type="slidenum">
               <a:rPr lang="zh-CN" altLang="en-US" smtClean="0"/>
               <a:t>‹#›</a:t>
             </a:fld>
@@ -921,7 +921,7 @@
     </p:spTree>
     <p:extLst>
       <p:ext uri="{BB962C8B-B14F-4D97-AF65-F5344CB8AC3E}">
-        <p14:creationId xmlns:p14="http://schemas.microsoft.com/office/powerpoint/2010/main" val="885528267"/>
+        <p14:creationId xmlns:p14="http://schemas.microsoft.com/office/powerpoint/2010/main" val="1472410728"/>
       </p:ext>
     </p:extLst>
   </p:cSld>
@@ -953,7 +953,7 @@
           <p:cNvPr id="2" name="标题 1">
             <a:extLst>
               <a:ext uri="{FF2B5EF4-FFF2-40B4-BE49-F238E27FC236}">
-                <a16:creationId xmlns:a16="http://schemas.microsoft.com/office/drawing/2014/main" id="{DF512100-DD99-455B-7E03-71C2AAD59729}"/>
+                <a16:creationId xmlns:a16="http://schemas.microsoft.com/office/drawing/2014/main" id="{FA238269-1B33-DCA1-0C79-1DBC380CA967}"/>
               </a:ext>
             </a:extLst>
           </p:cNvPr>
@@ -990,7 +990,7 @@
           <p:cNvPr id="3" name="文本占位符 2">
             <a:extLst>
               <a:ext uri="{FF2B5EF4-FFF2-40B4-BE49-F238E27FC236}">
-                <a16:creationId xmlns:a16="http://schemas.microsoft.com/office/drawing/2014/main" id="{E1C62FD7-6944-3DA5-B7BF-9C40120F3DC9}"/>
+                <a16:creationId xmlns:a16="http://schemas.microsoft.com/office/drawing/2014/main" id="{97C88A24-DD74-DAF9-2E75-5C06B2201F1D}"/>
               </a:ext>
             </a:extLst>
           </p:cNvPr>
@@ -1115,7 +1115,7 @@
           <p:cNvPr id="4" name="日期占位符 3">
             <a:extLst>
               <a:ext uri="{FF2B5EF4-FFF2-40B4-BE49-F238E27FC236}">
-                <a16:creationId xmlns:a16="http://schemas.microsoft.com/office/drawing/2014/main" id="{6F112E59-0BEB-FBA8-AFEC-0E9FE8161283}"/>
+                <a16:creationId xmlns:a16="http://schemas.microsoft.com/office/drawing/2014/main" id="{D0E11A86-D69A-A90F-98FD-144377F44C41}"/>
               </a:ext>
             </a:extLst>
           </p:cNvPr>
@@ -1131,7 +1131,7 @@
           <a:bodyPr/>
           <a:lstStyle/>
           <a:p>
-            <a:fld id="{D24C7AE4-48B5-492B-825E-1F6FF8B477E8}" type="datetimeFigureOut">
+            <a:fld id="{80ABA862-AF33-4A85-9F11-CCB9CF57C897}" type="datetimeFigureOut">
               <a:rPr lang="zh-CN" altLang="en-US" smtClean="0"/>
               <a:t>2024/3/10</a:t>
             </a:fld>
@@ -1144,7 +1144,7 @@
           <p:cNvPr id="5" name="页脚占位符 4">
             <a:extLst>
               <a:ext uri="{FF2B5EF4-FFF2-40B4-BE49-F238E27FC236}">
-                <a16:creationId xmlns:a16="http://schemas.microsoft.com/office/drawing/2014/main" id="{1F2DDC67-7F91-A50B-226E-37BD580B497E}"/>
+                <a16:creationId xmlns:a16="http://schemas.microsoft.com/office/drawing/2014/main" id="{79D96BD4-5396-54EE-724A-C6D58D35788D}"/>
               </a:ext>
             </a:extLst>
           </p:cNvPr>
@@ -1169,7 +1169,7 @@
           <p:cNvPr id="6" name="灯片编号占位符 5">
             <a:extLst>
               <a:ext uri="{FF2B5EF4-FFF2-40B4-BE49-F238E27FC236}">
-                <a16:creationId xmlns:a16="http://schemas.microsoft.com/office/drawing/2014/main" id="{BA57CF46-C38D-86EA-443A-FA06AEEE1755}"/>
+                <a16:creationId xmlns:a16="http://schemas.microsoft.com/office/drawing/2014/main" id="{4A6A3877-A7B6-78F1-BD3C-209B13D21DC0}"/>
               </a:ext>
             </a:extLst>
           </p:cNvPr>
@@ -1185,7 +1185,7 @@
           <a:bodyPr/>
           <a:lstStyle/>
           <a:p>
-            <a:fld id="{5F3BAA6E-A5C0-43E1-8014-CE63E262B94F}" type="slidenum">
+            <a:fld id="{DF290E08-2262-42D1-89F0-D334B9A9EB1B}" type="slidenum">
               <a:rPr lang="zh-CN" altLang="en-US" smtClean="0"/>
               <a:t>‹#›</a:t>
             </a:fld>
@@ -1196,7 +1196,7 @@
     </p:spTree>
     <p:extLst>
       <p:ext uri="{BB962C8B-B14F-4D97-AF65-F5344CB8AC3E}">
-        <p14:creationId xmlns:p14="http://schemas.microsoft.com/office/powerpoint/2010/main" val="2398648274"/>
+        <p14:creationId xmlns:p14="http://schemas.microsoft.com/office/powerpoint/2010/main" val="3291542569"/>
       </p:ext>
     </p:extLst>
   </p:cSld>
@@ -1228,7 +1228,7 @@
           <p:cNvPr id="2" name="标题 1">
             <a:extLst>
               <a:ext uri="{FF2B5EF4-FFF2-40B4-BE49-F238E27FC236}">
-                <a16:creationId xmlns:a16="http://schemas.microsoft.com/office/drawing/2014/main" id="{CCBC18F8-E444-7821-307B-4A43B0186301}"/>
+                <a16:creationId xmlns:a16="http://schemas.microsoft.com/office/drawing/2014/main" id="{A2FE4529-4127-E391-2437-7E59D5D1FFB6}"/>
               </a:ext>
             </a:extLst>
           </p:cNvPr>
@@ -1256,7 +1256,7 @@
           <p:cNvPr id="3" name="内容占位符 2">
             <a:extLst>
               <a:ext uri="{FF2B5EF4-FFF2-40B4-BE49-F238E27FC236}">
-                <a16:creationId xmlns:a16="http://schemas.microsoft.com/office/drawing/2014/main" id="{D9FD19EF-3890-A23B-DECD-4DD0B9BDE5DB}"/>
+                <a16:creationId xmlns:a16="http://schemas.microsoft.com/office/drawing/2014/main" id="{C9F1589A-A62A-5EF2-D78B-739E32CB47F0}"/>
               </a:ext>
             </a:extLst>
           </p:cNvPr>
@@ -1318,7 +1318,7 @@
           <p:cNvPr id="4" name="内容占位符 3">
             <a:extLst>
               <a:ext uri="{FF2B5EF4-FFF2-40B4-BE49-F238E27FC236}">
-                <a16:creationId xmlns:a16="http://schemas.microsoft.com/office/drawing/2014/main" id="{01F15451-E5B7-EDB3-20CC-282999EA5C57}"/>
+                <a16:creationId xmlns:a16="http://schemas.microsoft.com/office/drawing/2014/main" id="{796DCEFE-D641-C1E8-9B6D-1DD829BF916D}"/>
               </a:ext>
             </a:extLst>
           </p:cNvPr>
@@ -1380,7 +1380,7 @@
           <p:cNvPr id="5" name="日期占位符 4">
             <a:extLst>
               <a:ext uri="{FF2B5EF4-FFF2-40B4-BE49-F238E27FC236}">
-                <a16:creationId xmlns:a16="http://schemas.microsoft.com/office/drawing/2014/main" id="{EAB83298-44EB-0358-C4D1-0B7EF302F932}"/>
+                <a16:creationId xmlns:a16="http://schemas.microsoft.com/office/drawing/2014/main" id="{48B6C19E-A749-B0A9-ED3D-423580D404F6}"/>
               </a:ext>
             </a:extLst>
           </p:cNvPr>
@@ -1396,7 +1396,7 @@
           <a:bodyPr/>
           <a:lstStyle/>
           <a:p>
-            <a:fld id="{D24C7AE4-48B5-492B-825E-1F6FF8B477E8}" type="datetimeFigureOut">
+            <a:fld id="{80ABA862-AF33-4A85-9F11-CCB9CF57C897}" type="datetimeFigureOut">
               <a:rPr lang="zh-CN" altLang="en-US" smtClean="0"/>
               <a:t>2024/3/10</a:t>
             </a:fld>
@@ -1409,7 +1409,7 @@
           <p:cNvPr id="6" name="页脚占位符 5">
             <a:extLst>
               <a:ext uri="{FF2B5EF4-FFF2-40B4-BE49-F238E27FC236}">
-                <a16:creationId xmlns:a16="http://schemas.microsoft.com/office/drawing/2014/main" id="{27FFD01C-9ABD-E48E-9810-113BD911B21F}"/>
+                <a16:creationId xmlns:a16="http://schemas.microsoft.com/office/drawing/2014/main" id="{F83311E2-9BAC-A029-D892-54CFBC2FC52E}"/>
               </a:ext>
             </a:extLst>
           </p:cNvPr>
@@ -1434,7 +1434,7 @@
           <p:cNvPr id="7" name="灯片编号占位符 6">
             <a:extLst>
               <a:ext uri="{FF2B5EF4-FFF2-40B4-BE49-F238E27FC236}">
-                <a16:creationId xmlns:a16="http://schemas.microsoft.com/office/drawing/2014/main" id="{C13D6CD5-44A1-88DC-28B0-7E02F99B2B78}"/>
+                <a16:creationId xmlns:a16="http://schemas.microsoft.com/office/drawing/2014/main" id="{F26A0BA8-8542-56E4-6555-CD7D06BB8F94}"/>
               </a:ext>
             </a:extLst>
           </p:cNvPr>
@@ -1450,7 +1450,7 @@
           <a:bodyPr/>
           <a:lstStyle/>
           <a:p>
-            <a:fld id="{5F3BAA6E-A5C0-43E1-8014-CE63E262B94F}" type="slidenum">
+            <a:fld id="{DF290E08-2262-42D1-89F0-D334B9A9EB1B}" type="slidenum">
               <a:rPr lang="zh-CN" altLang="en-US" smtClean="0"/>
               <a:t>‹#›</a:t>
             </a:fld>
@@ -1461,7 +1461,7 @@
     </p:spTree>
     <p:extLst>
       <p:ext uri="{BB962C8B-B14F-4D97-AF65-F5344CB8AC3E}">
-        <p14:creationId xmlns:p14="http://schemas.microsoft.com/office/powerpoint/2010/main" val="545757024"/>
+        <p14:creationId xmlns:p14="http://schemas.microsoft.com/office/powerpoint/2010/main" val="1807419322"/>
       </p:ext>
     </p:extLst>
   </p:cSld>
@@ -1493,7 +1493,7 @@
           <p:cNvPr id="2" name="标题 1">
             <a:extLst>
               <a:ext uri="{FF2B5EF4-FFF2-40B4-BE49-F238E27FC236}">
-                <a16:creationId xmlns:a16="http://schemas.microsoft.com/office/drawing/2014/main" id="{0DBF6287-04C6-9848-6A27-F97EE01137F6}"/>
+                <a16:creationId xmlns:a16="http://schemas.microsoft.com/office/drawing/2014/main" id="{A03D39CE-D9E0-DDAE-F8BF-9C39E330FB22}"/>
               </a:ext>
             </a:extLst>
           </p:cNvPr>
@@ -1526,7 +1526,7 @@
           <p:cNvPr id="3" name="文本占位符 2">
             <a:extLst>
               <a:ext uri="{FF2B5EF4-FFF2-40B4-BE49-F238E27FC236}">
-                <a16:creationId xmlns:a16="http://schemas.microsoft.com/office/drawing/2014/main" id="{C10D9AB8-9847-E198-F103-61F28C934084}"/>
+                <a16:creationId xmlns:a16="http://schemas.microsoft.com/office/drawing/2014/main" id="{E2A0A5F2-E978-72A1-9E5D-F591E43AD467}"/>
               </a:ext>
             </a:extLst>
           </p:cNvPr>
@@ -1597,7 +1597,7 @@
           <p:cNvPr id="4" name="内容占位符 3">
             <a:extLst>
               <a:ext uri="{FF2B5EF4-FFF2-40B4-BE49-F238E27FC236}">
-                <a16:creationId xmlns:a16="http://schemas.microsoft.com/office/drawing/2014/main" id="{FD9185F1-83A9-3D6E-A205-DD1E38443F65}"/>
+                <a16:creationId xmlns:a16="http://schemas.microsoft.com/office/drawing/2014/main" id="{B0D03D9F-6D67-6C73-56CF-2E145B7E54A3}"/>
               </a:ext>
             </a:extLst>
           </p:cNvPr>
@@ -1659,7 +1659,7 @@
           <p:cNvPr id="5" name="文本占位符 4">
             <a:extLst>
               <a:ext uri="{FF2B5EF4-FFF2-40B4-BE49-F238E27FC236}">
-                <a16:creationId xmlns:a16="http://schemas.microsoft.com/office/drawing/2014/main" id="{A5407ABE-F4C8-4EED-DFBC-EBE59A0F634A}"/>
+                <a16:creationId xmlns:a16="http://schemas.microsoft.com/office/drawing/2014/main" id="{398993FE-4019-6AF9-E948-D8ADF3892F17}"/>
               </a:ext>
             </a:extLst>
           </p:cNvPr>
@@ -1730,7 +1730,7 @@
           <p:cNvPr id="6" name="内容占位符 5">
             <a:extLst>
               <a:ext uri="{FF2B5EF4-FFF2-40B4-BE49-F238E27FC236}">
-                <a16:creationId xmlns:a16="http://schemas.microsoft.com/office/drawing/2014/main" id="{C81E02D9-8800-03FA-8AD2-31DEFCCCEC0B}"/>
+                <a16:creationId xmlns:a16="http://schemas.microsoft.com/office/drawing/2014/main" id="{83E88716-D2E9-1E7E-732E-8D756F7A00AA}"/>
               </a:ext>
             </a:extLst>
           </p:cNvPr>
@@ -1792,7 +1792,7 @@
           <p:cNvPr id="7" name="日期占位符 6">
             <a:extLst>
               <a:ext uri="{FF2B5EF4-FFF2-40B4-BE49-F238E27FC236}">
-                <a16:creationId xmlns:a16="http://schemas.microsoft.com/office/drawing/2014/main" id="{0FBFA5D6-0AE9-436E-D6C6-DC385D1E5C66}"/>
+                <a16:creationId xmlns:a16="http://schemas.microsoft.com/office/drawing/2014/main" id="{0BA748F9-E3D6-2D01-F321-DA3BC7AAAF2A}"/>
               </a:ext>
             </a:extLst>
           </p:cNvPr>
@@ -1808,7 +1808,7 @@
           <a:bodyPr/>
           <a:lstStyle/>
           <a:p>
-            <a:fld id="{D24C7AE4-48B5-492B-825E-1F6FF8B477E8}" type="datetimeFigureOut">
+            <a:fld id="{80ABA862-AF33-4A85-9F11-CCB9CF57C897}" type="datetimeFigureOut">
               <a:rPr lang="zh-CN" altLang="en-US" smtClean="0"/>
               <a:t>2024/3/10</a:t>
             </a:fld>
@@ -1821,7 +1821,7 @@
           <p:cNvPr id="8" name="页脚占位符 7">
             <a:extLst>
               <a:ext uri="{FF2B5EF4-FFF2-40B4-BE49-F238E27FC236}">
-                <a16:creationId xmlns:a16="http://schemas.microsoft.com/office/drawing/2014/main" id="{E62B69AE-7F11-E003-EA0D-D7BF628482D1}"/>
+                <a16:creationId xmlns:a16="http://schemas.microsoft.com/office/drawing/2014/main" id="{3C4159A6-2A7A-294B-4181-D624DAE8800C}"/>
               </a:ext>
             </a:extLst>
           </p:cNvPr>
@@ -1846,7 +1846,7 @@
           <p:cNvPr id="9" name="灯片编号占位符 8">
             <a:extLst>
               <a:ext uri="{FF2B5EF4-FFF2-40B4-BE49-F238E27FC236}">
-                <a16:creationId xmlns:a16="http://schemas.microsoft.com/office/drawing/2014/main" id="{856C7538-C113-3762-E30C-21C20D20012E}"/>
+                <a16:creationId xmlns:a16="http://schemas.microsoft.com/office/drawing/2014/main" id="{89E32FDF-0088-D9A9-9CDB-69138871E3B6}"/>
               </a:ext>
             </a:extLst>
           </p:cNvPr>
@@ -1862,7 +1862,7 @@
           <a:bodyPr/>
           <a:lstStyle/>
           <a:p>
-            <a:fld id="{5F3BAA6E-A5C0-43E1-8014-CE63E262B94F}" type="slidenum">
+            <a:fld id="{DF290E08-2262-42D1-89F0-D334B9A9EB1B}" type="slidenum">
               <a:rPr lang="zh-CN" altLang="en-US" smtClean="0"/>
               <a:t>‹#›</a:t>
             </a:fld>
@@ -1873,7 +1873,7 @@
     </p:spTree>
     <p:extLst>
       <p:ext uri="{BB962C8B-B14F-4D97-AF65-F5344CB8AC3E}">
-        <p14:creationId xmlns:p14="http://schemas.microsoft.com/office/powerpoint/2010/main" val="1052322263"/>
+        <p14:creationId xmlns:p14="http://schemas.microsoft.com/office/powerpoint/2010/main" val="2766342096"/>
       </p:ext>
     </p:extLst>
   </p:cSld>
@@ -1905,7 +1905,7 @@
           <p:cNvPr id="2" name="标题 1">
             <a:extLst>
               <a:ext uri="{FF2B5EF4-FFF2-40B4-BE49-F238E27FC236}">
-                <a16:creationId xmlns:a16="http://schemas.microsoft.com/office/drawing/2014/main" id="{72A3A987-94DB-1E36-D147-6CF085210048}"/>
+                <a16:creationId xmlns:a16="http://schemas.microsoft.com/office/drawing/2014/main" id="{277D6B3C-B865-550E-CBF6-A3EA2E4F9B92}"/>
               </a:ext>
             </a:extLst>
           </p:cNvPr>
@@ -1933,7 +1933,7 @@
           <p:cNvPr id="3" name="日期占位符 2">
             <a:extLst>
               <a:ext uri="{FF2B5EF4-FFF2-40B4-BE49-F238E27FC236}">
-                <a16:creationId xmlns:a16="http://schemas.microsoft.com/office/drawing/2014/main" id="{BAA91EE2-8C41-140F-A4CE-1F3D32E9C06B}"/>
+                <a16:creationId xmlns:a16="http://schemas.microsoft.com/office/drawing/2014/main" id="{8C54F554-41E7-E94C-DA86-EFF300E0D633}"/>
               </a:ext>
             </a:extLst>
           </p:cNvPr>
@@ -1949,7 +1949,7 @@
           <a:bodyPr/>
           <a:lstStyle/>
           <a:p>
-            <a:fld id="{D24C7AE4-48B5-492B-825E-1F6FF8B477E8}" type="datetimeFigureOut">
+            <a:fld id="{80ABA862-AF33-4A85-9F11-CCB9CF57C897}" type="datetimeFigureOut">
               <a:rPr lang="zh-CN" altLang="en-US" smtClean="0"/>
               <a:t>2024/3/10</a:t>
             </a:fld>
@@ -1962,7 +1962,7 @@
           <p:cNvPr id="4" name="页脚占位符 3">
             <a:extLst>
               <a:ext uri="{FF2B5EF4-FFF2-40B4-BE49-F238E27FC236}">
-                <a16:creationId xmlns:a16="http://schemas.microsoft.com/office/drawing/2014/main" id="{68BC0705-0A4D-51EC-9B9C-EC48035C890B}"/>
+                <a16:creationId xmlns:a16="http://schemas.microsoft.com/office/drawing/2014/main" id="{CEA550DD-8DD7-FC14-02B9-F3DF3FFF7B62}"/>
               </a:ext>
             </a:extLst>
           </p:cNvPr>
@@ -1987,7 +1987,7 @@
           <p:cNvPr id="5" name="灯片编号占位符 4">
             <a:extLst>
               <a:ext uri="{FF2B5EF4-FFF2-40B4-BE49-F238E27FC236}">
-                <a16:creationId xmlns:a16="http://schemas.microsoft.com/office/drawing/2014/main" id="{80EAEF9D-CE79-CA38-A6CB-90F033C478D8}"/>
+                <a16:creationId xmlns:a16="http://schemas.microsoft.com/office/drawing/2014/main" id="{CA038BD1-CF7C-696D-AC8C-60D343A8F070}"/>
               </a:ext>
             </a:extLst>
           </p:cNvPr>
@@ -2003,7 +2003,7 @@
           <a:bodyPr/>
           <a:lstStyle/>
           <a:p>
-            <a:fld id="{5F3BAA6E-A5C0-43E1-8014-CE63E262B94F}" type="slidenum">
+            <a:fld id="{DF290E08-2262-42D1-89F0-D334B9A9EB1B}" type="slidenum">
               <a:rPr lang="zh-CN" altLang="en-US" smtClean="0"/>
               <a:t>‹#›</a:t>
             </a:fld>
@@ -2014,7 +2014,7 @@
     </p:spTree>
     <p:extLst>
       <p:ext uri="{BB962C8B-B14F-4D97-AF65-F5344CB8AC3E}">
-        <p14:creationId xmlns:p14="http://schemas.microsoft.com/office/powerpoint/2010/main" val="1606989783"/>
+        <p14:creationId xmlns:p14="http://schemas.microsoft.com/office/powerpoint/2010/main" val="1341208169"/>
       </p:ext>
     </p:extLst>
   </p:cSld>
@@ -2046,7 +2046,7 @@
           <p:cNvPr id="2" name="日期占位符 1">
             <a:extLst>
               <a:ext uri="{FF2B5EF4-FFF2-40B4-BE49-F238E27FC236}">
-                <a16:creationId xmlns:a16="http://schemas.microsoft.com/office/drawing/2014/main" id="{8D7B2B37-F2E6-CF74-AA3B-CB13553F4CE3}"/>
+                <a16:creationId xmlns:a16="http://schemas.microsoft.com/office/drawing/2014/main" id="{5B025E9A-C12D-621F-BA66-A3F04752199F}"/>
               </a:ext>
             </a:extLst>
           </p:cNvPr>
@@ -2062,7 +2062,7 @@
           <a:bodyPr/>
           <a:lstStyle/>
           <a:p>
-            <a:fld id="{D24C7AE4-48B5-492B-825E-1F6FF8B477E8}" type="datetimeFigureOut">
+            <a:fld id="{80ABA862-AF33-4A85-9F11-CCB9CF57C897}" type="datetimeFigureOut">
               <a:rPr lang="zh-CN" altLang="en-US" smtClean="0"/>
               <a:t>2024/3/10</a:t>
             </a:fld>
@@ -2075,7 +2075,7 @@
           <p:cNvPr id="3" name="页脚占位符 2">
             <a:extLst>
               <a:ext uri="{FF2B5EF4-FFF2-40B4-BE49-F238E27FC236}">
-                <a16:creationId xmlns:a16="http://schemas.microsoft.com/office/drawing/2014/main" id="{8F19D597-14EB-194E-F7FD-289A6EDF1262}"/>
+                <a16:creationId xmlns:a16="http://schemas.microsoft.com/office/drawing/2014/main" id="{2AED4ED1-FE2E-96B8-A632-5D3DF5984FAB}"/>
               </a:ext>
             </a:extLst>
           </p:cNvPr>
@@ -2100,7 +2100,7 @@
           <p:cNvPr id="4" name="灯片编号占位符 3">
             <a:extLst>
               <a:ext uri="{FF2B5EF4-FFF2-40B4-BE49-F238E27FC236}">
-                <a16:creationId xmlns:a16="http://schemas.microsoft.com/office/drawing/2014/main" id="{62FA0824-E016-DF7A-80F1-C88A4DB2354E}"/>
+                <a16:creationId xmlns:a16="http://schemas.microsoft.com/office/drawing/2014/main" id="{8DC3242D-79EC-C5F4-6687-69C524E147EB}"/>
               </a:ext>
             </a:extLst>
           </p:cNvPr>
@@ -2116,7 +2116,7 @@
           <a:bodyPr/>
           <a:lstStyle/>
           <a:p>
-            <a:fld id="{5F3BAA6E-A5C0-43E1-8014-CE63E262B94F}" type="slidenum">
+            <a:fld id="{DF290E08-2262-42D1-89F0-D334B9A9EB1B}" type="slidenum">
               <a:rPr lang="zh-CN" altLang="en-US" smtClean="0"/>
               <a:t>‹#›</a:t>
             </a:fld>
@@ -2127,7 +2127,7 @@
     </p:spTree>
     <p:extLst>
       <p:ext uri="{BB962C8B-B14F-4D97-AF65-F5344CB8AC3E}">
-        <p14:creationId xmlns:p14="http://schemas.microsoft.com/office/powerpoint/2010/main" val="3191133813"/>
+        <p14:creationId xmlns:p14="http://schemas.microsoft.com/office/powerpoint/2010/main" val="924771517"/>
       </p:ext>
     </p:extLst>
   </p:cSld>
@@ -2159,7 +2159,7 @@
           <p:cNvPr id="2" name="标题 1">
             <a:extLst>
               <a:ext uri="{FF2B5EF4-FFF2-40B4-BE49-F238E27FC236}">
-                <a16:creationId xmlns:a16="http://schemas.microsoft.com/office/drawing/2014/main" id="{4C25776E-A982-3618-1178-48713143CCBB}"/>
+                <a16:creationId xmlns:a16="http://schemas.microsoft.com/office/drawing/2014/main" id="{8A699AE7-65D1-BB94-5893-5D25C3EEC07D}"/>
               </a:ext>
             </a:extLst>
           </p:cNvPr>
@@ -2196,7 +2196,7 @@
           <p:cNvPr id="3" name="内容占位符 2">
             <a:extLst>
               <a:ext uri="{FF2B5EF4-FFF2-40B4-BE49-F238E27FC236}">
-                <a16:creationId xmlns:a16="http://schemas.microsoft.com/office/drawing/2014/main" id="{242BC1BA-ABA2-41C5-1063-0F962BBACAE8}"/>
+                <a16:creationId xmlns:a16="http://schemas.microsoft.com/office/drawing/2014/main" id="{680E9DDC-B091-CACB-064B-780EBFC31388}"/>
               </a:ext>
             </a:extLst>
           </p:cNvPr>
@@ -2286,7 +2286,7 @@
           <p:cNvPr id="4" name="文本占位符 3">
             <a:extLst>
               <a:ext uri="{FF2B5EF4-FFF2-40B4-BE49-F238E27FC236}">
-                <a16:creationId xmlns:a16="http://schemas.microsoft.com/office/drawing/2014/main" id="{23E34E0D-D990-2CBB-BDE6-B3BC779324E2}"/>
+                <a16:creationId xmlns:a16="http://schemas.microsoft.com/office/drawing/2014/main" id="{B3F2FABC-11FC-3EA8-1202-49E0C259C145}"/>
               </a:ext>
             </a:extLst>
           </p:cNvPr>
@@ -2357,7 +2357,7 @@
           <p:cNvPr id="5" name="日期占位符 4">
             <a:extLst>
               <a:ext uri="{FF2B5EF4-FFF2-40B4-BE49-F238E27FC236}">
-                <a16:creationId xmlns:a16="http://schemas.microsoft.com/office/drawing/2014/main" id="{935F60BF-C713-3800-6A0B-B1809A9D4A0C}"/>
+                <a16:creationId xmlns:a16="http://schemas.microsoft.com/office/drawing/2014/main" id="{2C7719FD-4E83-C8D5-034B-B1AD79E8006E}"/>
               </a:ext>
             </a:extLst>
           </p:cNvPr>
@@ -2373,7 +2373,7 @@
           <a:bodyPr/>
           <a:lstStyle/>
           <a:p>
-            <a:fld id="{D24C7AE4-48B5-492B-825E-1F6FF8B477E8}" type="datetimeFigureOut">
+            <a:fld id="{80ABA862-AF33-4A85-9F11-CCB9CF57C897}" type="datetimeFigureOut">
               <a:rPr lang="zh-CN" altLang="en-US" smtClean="0"/>
               <a:t>2024/3/10</a:t>
             </a:fld>
@@ -2386,7 +2386,7 @@
           <p:cNvPr id="6" name="页脚占位符 5">
             <a:extLst>
               <a:ext uri="{FF2B5EF4-FFF2-40B4-BE49-F238E27FC236}">
-                <a16:creationId xmlns:a16="http://schemas.microsoft.com/office/drawing/2014/main" id="{EA9CF116-1B6A-1371-7243-EB2CD8DB4B2D}"/>
+                <a16:creationId xmlns:a16="http://schemas.microsoft.com/office/drawing/2014/main" id="{EE1B9880-CD0B-E590-1A15-79E935C1E2DE}"/>
               </a:ext>
             </a:extLst>
           </p:cNvPr>
@@ -2411,7 +2411,7 @@
           <p:cNvPr id="7" name="灯片编号占位符 6">
             <a:extLst>
               <a:ext uri="{FF2B5EF4-FFF2-40B4-BE49-F238E27FC236}">
-                <a16:creationId xmlns:a16="http://schemas.microsoft.com/office/drawing/2014/main" id="{E2B59527-DF71-F3EC-2869-6CB29689009C}"/>
+                <a16:creationId xmlns:a16="http://schemas.microsoft.com/office/drawing/2014/main" id="{735B92D2-8C41-49F4-0C11-7E193B6BB44F}"/>
               </a:ext>
             </a:extLst>
           </p:cNvPr>
@@ -2427,7 +2427,7 @@
           <a:bodyPr/>
           <a:lstStyle/>
           <a:p>
-            <a:fld id="{5F3BAA6E-A5C0-43E1-8014-CE63E262B94F}" type="slidenum">
+            <a:fld id="{DF290E08-2262-42D1-89F0-D334B9A9EB1B}" type="slidenum">
               <a:rPr lang="zh-CN" altLang="en-US" smtClean="0"/>
               <a:t>‹#›</a:t>
             </a:fld>
@@ -2438,7 +2438,7 @@
     </p:spTree>
     <p:extLst>
       <p:ext uri="{BB962C8B-B14F-4D97-AF65-F5344CB8AC3E}">
-        <p14:creationId xmlns:p14="http://schemas.microsoft.com/office/powerpoint/2010/main" val="3088169720"/>
+        <p14:creationId xmlns:p14="http://schemas.microsoft.com/office/powerpoint/2010/main" val="4078596717"/>
       </p:ext>
     </p:extLst>
   </p:cSld>
@@ -2470,7 +2470,7 @@
           <p:cNvPr id="2" name="标题 1">
             <a:extLst>
               <a:ext uri="{FF2B5EF4-FFF2-40B4-BE49-F238E27FC236}">
-                <a16:creationId xmlns:a16="http://schemas.microsoft.com/office/drawing/2014/main" id="{0C263B13-3320-28D4-EC6F-E850598F8011}"/>
+                <a16:creationId xmlns:a16="http://schemas.microsoft.com/office/drawing/2014/main" id="{674AF72D-1E19-4D99-C5A5-BF931AA6EAFC}"/>
               </a:ext>
             </a:extLst>
           </p:cNvPr>
@@ -2507,7 +2507,7 @@
           <p:cNvPr id="3" name="图片占位符 2">
             <a:extLst>
               <a:ext uri="{FF2B5EF4-FFF2-40B4-BE49-F238E27FC236}">
-                <a16:creationId xmlns:a16="http://schemas.microsoft.com/office/drawing/2014/main" id="{97F9A691-48F6-A607-67DF-8109BF34F724}"/>
+                <a16:creationId xmlns:a16="http://schemas.microsoft.com/office/drawing/2014/main" id="{F8D86EE2-2138-312B-E736-09FFB5EB8F02}"/>
               </a:ext>
             </a:extLst>
           </p:cNvPr>
@@ -2574,7 +2574,7 @@
           <p:cNvPr id="4" name="文本占位符 3">
             <a:extLst>
               <a:ext uri="{FF2B5EF4-FFF2-40B4-BE49-F238E27FC236}">
-                <a16:creationId xmlns:a16="http://schemas.microsoft.com/office/drawing/2014/main" id="{089F12AB-366F-D573-DD49-17B8EAF9CDD5}"/>
+                <a16:creationId xmlns:a16="http://schemas.microsoft.com/office/drawing/2014/main" id="{D8644597-6A8B-FCB0-2734-0554D5752A19}"/>
               </a:ext>
             </a:extLst>
           </p:cNvPr>
@@ -2645,7 +2645,7 @@
           <p:cNvPr id="5" name="日期占位符 4">
             <a:extLst>
               <a:ext uri="{FF2B5EF4-FFF2-40B4-BE49-F238E27FC236}">
-                <a16:creationId xmlns:a16="http://schemas.microsoft.com/office/drawing/2014/main" id="{7A3373B5-3F0C-7EE7-AE1D-2B3380082ABC}"/>
+                <a16:creationId xmlns:a16="http://schemas.microsoft.com/office/drawing/2014/main" id="{DFE1529B-C94B-FE8F-8DE4-DB06B190998E}"/>
               </a:ext>
             </a:extLst>
           </p:cNvPr>
@@ -2661,7 +2661,7 @@
           <a:bodyPr/>
           <a:lstStyle/>
           <a:p>
-            <a:fld id="{D24C7AE4-48B5-492B-825E-1F6FF8B477E8}" type="datetimeFigureOut">
+            <a:fld id="{80ABA862-AF33-4A85-9F11-CCB9CF57C897}" type="datetimeFigureOut">
               <a:rPr lang="zh-CN" altLang="en-US" smtClean="0"/>
               <a:t>2024/3/10</a:t>
             </a:fld>
@@ -2674,7 +2674,7 @@
           <p:cNvPr id="6" name="页脚占位符 5">
             <a:extLst>
               <a:ext uri="{FF2B5EF4-FFF2-40B4-BE49-F238E27FC236}">
-                <a16:creationId xmlns:a16="http://schemas.microsoft.com/office/drawing/2014/main" id="{02C67C16-BF0C-5AFB-0FAB-9C5C40F7A873}"/>
+                <a16:creationId xmlns:a16="http://schemas.microsoft.com/office/drawing/2014/main" id="{973F558D-CE90-289E-E602-C7B81842A675}"/>
               </a:ext>
             </a:extLst>
           </p:cNvPr>
@@ -2699,7 +2699,7 @@
           <p:cNvPr id="7" name="灯片编号占位符 6">
             <a:extLst>
               <a:ext uri="{FF2B5EF4-FFF2-40B4-BE49-F238E27FC236}">
-                <a16:creationId xmlns:a16="http://schemas.microsoft.com/office/drawing/2014/main" id="{CDDF3FCC-C180-33AF-2143-C981A8378156}"/>
+                <a16:creationId xmlns:a16="http://schemas.microsoft.com/office/drawing/2014/main" id="{9EA2A028-E59F-656F-6FBC-6C8FCB643C8D}"/>
               </a:ext>
             </a:extLst>
           </p:cNvPr>
@@ -2715,7 +2715,7 @@
           <a:bodyPr/>
           <a:lstStyle/>
           <a:p>
-            <a:fld id="{5F3BAA6E-A5C0-43E1-8014-CE63E262B94F}" type="slidenum">
+            <a:fld id="{DF290E08-2262-42D1-89F0-D334B9A9EB1B}" type="slidenum">
               <a:rPr lang="zh-CN" altLang="en-US" smtClean="0"/>
               <a:t>‹#›</a:t>
             </a:fld>
@@ -2726,7 +2726,7 @@
     </p:spTree>
     <p:extLst>
       <p:ext uri="{BB962C8B-B14F-4D97-AF65-F5344CB8AC3E}">
-        <p14:creationId xmlns:p14="http://schemas.microsoft.com/office/powerpoint/2010/main" val="3573159917"/>
+        <p14:creationId xmlns:p14="http://schemas.microsoft.com/office/powerpoint/2010/main" val="1433208995"/>
       </p:ext>
     </p:extLst>
   </p:cSld>
@@ -2763,7 +2763,7 @@
           <p:cNvPr id="2" name="标题占位符 1">
             <a:extLst>
               <a:ext uri="{FF2B5EF4-FFF2-40B4-BE49-F238E27FC236}">
-                <a16:creationId xmlns:a16="http://schemas.microsoft.com/office/drawing/2014/main" id="{1128DA3D-A9F9-C750-97D9-761FBD0FBC42}"/>
+                <a16:creationId xmlns:a16="http://schemas.microsoft.com/office/drawing/2014/main" id="{F088B02E-DD8D-8469-1C90-57DED293600A}"/>
               </a:ext>
             </a:extLst>
           </p:cNvPr>
@@ -2801,7 +2801,7 @@
           <p:cNvPr id="3" name="文本占位符 2">
             <a:extLst>
               <a:ext uri="{FF2B5EF4-FFF2-40B4-BE49-F238E27FC236}">
-                <a16:creationId xmlns:a16="http://schemas.microsoft.com/office/drawing/2014/main" id="{05C3EFFB-1DEF-944D-4E6C-ABCA2540DFCC}"/>
+                <a16:creationId xmlns:a16="http://schemas.microsoft.com/office/drawing/2014/main" id="{1991CBC9-07EC-D552-C946-D18CD78820E8}"/>
               </a:ext>
             </a:extLst>
           </p:cNvPr>
@@ -2868,7 +2868,7 @@
           <p:cNvPr id="4" name="日期占位符 3">
             <a:extLst>
               <a:ext uri="{FF2B5EF4-FFF2-40B4-BE49-F238E27FC236}">
-                <a16:creationId xmlns:a16="http://schemas.microsoft.com/office/drawing/2014/main" id="{EF794D3C-DC22-5592-B25D-03D361D966C5}"/>
+                <a16:creationId xmlns:a16="http://schemas.microsoft.com/office/drawing/2014/main" id="{3F344391-C2FB-9DA2-84CE-08D34CA30D66}"/>
               </a:ext>
             </a:extLst>
           </p:cNvPr>
@@ -2902,7 +2902,7 @@
             </a:lvl1pPr>
           </a:lstStyle>
           <a:p>
-            <a:fld id="{D24C7AE4-48B5-492B-825E-1F6FF8B477E8}" type="datetimeFigureOut">
+            <a:fld id="{80ABA862-AF33-4A85-9F11-CCB9CF57C897}" type="datetimeFigureOut">
               <a:rPr lang="zh-CN" altLang="en-US" smtClean="0"/>
               <a:t>2024/3/10</a:t>
             </a:fld>
@@ -2915,7 +2915,7 @@
           <p:cNvPr id="5" name="页脚占位符 4">
             <a:extLst>
               <a:ext uri="{FF2B5EF4-FFF2-40B4-BE49-F238E27FC236}">
-                <a16:creationId xmlns:a16="http://schemas.microsoft.com/office/drawing/2014/main" id="{11848F19-7C98-AA77-DDF1-6B47DBB3C375}"/>
+                <a16:creationId xmlns:a16="http://schemas.microsoft.com/office/drawing/2014/main" id="{7C09885B-F843-3AF4-4B4E-5474DF42B1C0}"/>
               </a:ext>
             </a:extLst>
           </p:cNvPr>
@@ -2958,7 +2958,7 @@
           <p:cNvPr id="6" name="灯片编号占位符 5">
             <a:extLst>
               <a:ext uri="{FF2B5EF4-FFF2-40B4-BE49-F238E27FC236}">
-                <a16:creationId xmlns:a16="http://schemas.microsoft.com/office/drawing/2014/main" id="{2DA803C4-5ACC-7380-06C4-06CEA3ABD2ED}"/>
+                <a16:creationId xmlns:a16="http://schemas.microsoft.com/office/drawing/2014/main" id="{E8800D1D-E4E2-2CEF-F49F-DDBB95E24869}"/>
               </a:ext>
             </a:extLst>
           </p:cNvPr>
@@ -2992,7 +2992,7 @@
             </a:lvl1pPr>
           </a:lstStyle>
           <a:p>
-            <a:fld id="{5F3BAA6E-A5C0-43E1-8014-CE63E262B94F}" type="slidenum">
+            <a:fld id="{DF290E08-2262-42D1-89F0-D334B9A9EB1B}" type="slidenum">
               <a:rPr lang="zh-CN" altLang="en-US" smtClean="0"/>
               <a:t>‹#›</a:t>
             </a:fld>
@@ -3003,7 +3003,7 @@
     </p:spTree>
     <p:extLst>
       <p:ext uri="{BB962C8B-B14F-4D97-AF65-F5344CB8AC3E}">
-        <p14:creationId xmlns:p14="http://schemas.microsoft.com/office/powerpoint/2010/main" val="3939195809"/>
+        <p14:creationId xmlns:p14="http://schemas.microsoft.com/office/powerpoint/2010/main" val="2477514962"/>
       </p:ext>
     </p:extLst>
   </p:cSld>
